--- a/docs/diagrams/ComponentSequenceDiagramCalendar.pptx
+++ b/docs/diagrams/ComponentSequenceDiagramCalendar.pptx
@@ -128,6 +128,10 @@
 </p:presentation>
 </file>
 
+<file path=ppt/revisionInfo.xml><?xml version="1.0" encoding="utf-8"?>
+<p1510:revInfo xmlns:a="http://schemas.openxmlformats.org/drawingml/2006/main" xmlns:r="http://schemas.openxmlformats.org/officeDocument/2006/relationships" xmlns:p1510="http://schemas.microsoft.com/office/powerpoint/2015/10/main"/>
+</file>
+
 <file path=ppt/notesMasters/notesMaster1.xml><?xml version="1.0" encoding="utf-8"?>
 <p:notesMaster xmlns:a="http://schemas.openxmlformats.org/drawingml/2006/main" xmlns:r="http://schemas.openxmlformats.org/officeDocument/2006/relationships" xmlns:p="http://schemas.openxmlformats.org/presentationml/2006/main">
   <p:cSld>
@@ -210,7 +214,7 @@
           <a:p>
             <a:fld id="{F5CC4B3F-88C1-4FFA-B1B6-F41C21DC6924}" type="datetimeFigureOut">
               <a:rPr lang="en-US" smtClean="0"/>
-              <a:t>11/9/2017</a:t>
+              <a:t>11/13/2017</a:t>
             </a:fld>
             <a:endParaRPr lang="en-US"/>
           </a:p>
@@ -274,38 +278,37 @@
           <a:p>
             <a:pPr lvl="0"/>
             <a:r>
-              <a:rPr lang="en-US" smtClean="0"/>
+              <a:rPr lang="en-US"/>
               <a:t>Click to edit Master text styles</a:t>
             </a:r>
           </a:p>
           <a:p>
             <a:pPr lvl="1"/>
             <a:r>
-              <a:rPr lang="en-US" smtClean="0"/>
+              <a:rPr lang="en-US"/>
               <a:t>Second level</a:t>
             </a:r>
           </a:p>
           <a:p>
             <a:pPr lvl="2"/>
             <a:r>
-              <a:rPr lang="en-US" smtClean="0"/>
+              <a:rPr lang="en-US"/>
               <a:t>Third level</a:t>
             </a:r>
           </a:p>
           <a:p>
             <a:pPr lvl="3"/>
             <a:r>
-              <a:rPr lang="en-US" smtClean="0"/>
+              <a:rPr lang="en-US"/>
               <a:t>Fourth level</a:t>
             </a:r>
           </a:p>
           <a:p>
             <a:pPr lvl="4"/>
             <a:r>
-              <a:rPr lang="en-US" smtClean="0"/>
+              <a:rPr lang="en-US"/>
               <a:t>Fifth level</a:t>
             </a:r>
-            <a:endParaRPr lang="en-US"/>
           </a:p>
         </p:txBody>
       </p:sp>
@@ -478,6 +481,90 @@
 </p:notesMaster>
 </file>
 
+<file path=ppt/notesSlides/notesSlide1.xml><?xml version="1.0" encoding="utf-8"?>
+<p:notes xmlns:a="http://schemas.openxmlformats.org/drawingml/2006/main" xmlns:r="http://schemas.openxmlformats.org/officeDocument/2006/relationships" xmlns:p="http://schemas.openxmlformats.org/presentationml/2006/main">
+  <p:cSld>
+    <p:spTree>
+      <p:nvGrpSpPr>
+        <p:cNvPr id="1" name=""/>
+        <p:cNvGrpSpPr/>
+        <p:nvPr/>
+      </p:nvGrpSpPr>
+      <p:grpSpPr>
+        <a:xfrm>
+          <a:off x="0" y="0"/>
+          <a:ext cx="0" cy="0"/>
+          <a:chOff x="0" y="0"/>
+          <a:chExt cx="0" cy="0"/>
+        </a:xfrm>
+      </p:grpSpPr>
+      <p:sp>
+        <p:nvSpPr>
+          <p:cNvPr id="2" name="Slide Image Placeholder 1"/>
+          <p:cNvSpPr>
+            <a:spLocks noGrp="1" noRot="1" noChangeAspect="1"/>
+          </p:cNvSpPr>
+          <p:nvPr>
+            <p:ph type="sldImg"/>
+          </p:nvPr>
+        </p:nvSpPr>
+        <p:spPr/>
+      </p:sp>
+      <p:sp>
+        <p:nvSpPr>
+          <p:cNvPr id="3" name="Notes Placeholder 2"/>
+          <p:cNvSpPr>
+            <a:spLocks noGrp="1"/>
+          </p:cNvSpPr>
+          <p:nvPr>
+            <p:ph type="body" idx="1"/>
+          </p:nvPr>
+        </p:nvSpPr>
+        <p:spPr/>
+        <p:txBody>
+          <a:bodyPr/>
+          <a:lstStyle/>
+          <a:p>
+            <a:endParaRPr lang="en-SG" dirty="0"/>
+          </a:p>
+        </p:txBody>
+      </p:sp>
+      <p:sp>
+        <p:nvSpPr>
+          <p:cNvPr id="4" name="Slide Number Placeholder 3"/>
+          <p:cNvSpPr>
+            <a:spLocks noGrp="1"/>
+          </p:cNvSpPr>
+          <p:nvPr>
+            <p:ph type="sldNum" sz="quarter" idx="10"/>
+          </p:nvPr>
+        </p:nvSpPr>
+        <p:spPr/>
+        <p:txBody>
+          <a:bodyPr/>
+          <a:lstStyle/>
+          <a:p>
+            <a:fld id="{5A7AB025-77E3-4BD1-A2FD-B3183DBA47A3}" type="slidenum">
+              <a:rPr lang="en-US" smtClean="0"/>
+              <a:t>1</a:t>
+            </a:fld>
+            <a:endParaRPr lang="en-US"/>
+          </a:p>
+        </p:txBody>
+      </p:sp>
+    </p:spTree>
+    <p:extLst>
+      <p:ext uri="{BB962C8B-B14F-4D97-AF65-F5344CB8AC3E}">
+        <p14:creationId xmlns:p14="http://schemas.microsoft.com/office/powerpoint/2010/main" val="208819525"/>
+      </p:ext>
+    </p:extLst>
+  </p:cSld>
+  <p:clrMapOvr>
+    <a:masterClrMapping/>
+  </p:clrMapOvr>
+</p:notes>
+</file>
+
 <file path=ppt/slideLayouts/slideLayout1.xml><?xml version="1.0" encoding="utf-8"?>
 <p:sldLayout xmlns:a="http://schemas.openxmlformats.org/drawingml/2006/main" xmlns:r="http://schemas.openxmlformats.org/officeDocument/2006/relationships" xmlns:p="http://schemas.openxmlformats.org/presentationml/2006/main" type="title" preserve="1">
   <p:cSld name="Title Slide">
@@ -516,10 +603,9 @@
           <a:lstStyle/>
           <a:p>
             <a:r>
-              <a:rPr lang="en-US" smtClean="0"/>
+              <a:rPr lang="en-US"/>
               <a:t>Click to edit Master title style</a:t>
             </a:r>
-            <a:endParaRPr lang="en-US"/>
           </a:p>
         </p:txBody>
       </p:sp>
@@ -635,10 +721,9 @@
           </a:lstStyle>
           <a:p>
             <a:r>
-              <a:rPr lang="en-US" smtClean="0"/>
+              <a:rPr lang="en-US"/>
               <a:t>Click to edit Master subtitle style</a:t>
             </a:r>
-            <a:endParaRPr lang="en-US"/>
           </a:p>
         </p:txBody>
       </p:sp>
@@ -659,7 +744,7 @@
           <a:p>
             <a:fld id="{78C97017-6FC3-485B-9764-EAC9E56C1D49}" type="datetimeFigureOut">
               <a:rPr lang="en-US" smtClean="0"/>
-              <a:t>11/9/2017</a:t>
+              <a:t>11/13/2017</a:t>
             </a:fld>
             <a:endParaRPr lang="en-US"/>
           </a:p>
@@ -753,10 +838,9 @@
           <a:lstStyle/>
           <a:p>
             <a:r>
-              <a:rPr lang="en-US" smtClean="0"/>
+              <a:rPr lang="en-US"/>
               <a:t>Click to edit Master title style</a:t>
             </a:r>
-            <a:endParaRPr lang="en-US"/>
           </a:p>
         </p:txBody>
       </p:sp>
@@ -777,38 +861,37 @@
           <a:p>
             <a:pPr lvl="0"/>
             <a:r>
-              <a:rPr lang="en-US" smtClean="0"/>
+              <a:rPr lang="en-US"/>
               <a:t>Click to edit Master text styles</a:t>
             </a:r>
           </a:p>
           <a:p>
             <a:pPr lvl="1"/>
             <a:r>
-              <a:rPr lang="en-US" smtClean="0"/>
+              <a:rPr lang="en-US"/>
               <a:t>Second level</a:t>
             </a:r>
           </a:p>
           <a:p>
             <a:pPr lvl="2"/>
             <a:r>
-              <a:rPr lang="en-US" smtClean="0"/>
+              <a:rPr lang="en-US"/>
               <a:t>Third level</a:t>
             </a:r>
           </a:p>
           <a:p>
             <a:pPr lvl="3"/>
             <a:r>
-              <a:rPr lang="en-US" smtClean="0"/>
+              <a:rPr lang="en-US"/>
               <a:t>Fourth level</a:t>
             </a:r>
           </a:p>
           <a:p>
             <a:pPr lvl="4"/>
             <a:r>
-              <a:rPr lang="en-US" smtClean="0"/>
+              <a:rPr lang="en-US"/>
               <a:t>Fifth level</a:t>
             </a:r>
-            <a:endParaRPr lang="en-US"/>
           </a:p>
         </p:txBody>
       </p:sp>
@@ -829,7 +912,7 @@
           <a:p>
             <a:fld id="{78C97017-6FC3-485B-9764-EAC9E56C1D49}" type="datetimeFigureOut">
               <a:rPr lang="en-US" smtClean="0"/>
-              <a:t>11/9/2017</a:t>
+              <a:t>11/13/2017</a:t>
             </a:fld>
             <a:endParaRPr lang="en-US"/>
           </a:p>
@@ -928,10 +1011,9 @@
           <a:lstStyle/>
           <a:p>
             <a:r>
-              <a:rPr lang="en-US" smtClean="0"/>
+              <a:rPr lang="en-US"/>
               <a:t>Click to edit Master title style</a:t>
             </a:r>
-            <a:endParaRPr lang="en-US"/>
           </a:p>
         </p:txBody>
       </p:sp>
@@ -957,38 +1039,37 @@
           <a:p>
             <a:pPr lvl="0"/>
             <a:r>
-              <a:rPr lang="en-US" smtClean="0"/>
+              <a:rPr lang="en-US"/>
               <a:t>Click to edit Master text styles</a:t>
             </a:r>
           </a:p>
           <a:p>
             <a:pPr lvl="1"/>
             <a:r>
-              <a:rPr lang="en-US" smtClean="0"/>
+              <a:rPr lang="en-US"/>
               <a:t>Second level</a:t>
             </a:r>
           </a:p>
           <a:p>
             <a:pPr lvl="2"/>
             <a:r>
-              <a:rPr lang="en-US" smtClean="0"/>
+              <a:rPr lang="en-US"/>
               <a:t>Third level</a:t>
             </a:r>
           </a:p>
           <a:p>
             <a:pPr lvl="3"/>
             <a:r>
-              <a:rPr lang="en-US" smtClean="0"/>
+              <a:rPr lang="en-US"/>
               <a:t>Fourth level</a:t>
             </a:r>
           </a:p>
           <a:p>
             <a:pPr lvl="4"/>
             <a:r>
-              <a:rPr lang="en-US" smtClean="0"/>
+              <a:rPr lang="en-US"/>
               <a:t>Fifth level</a:t>
             </a:r>
-            <a:endParaRPr lang="en-US"/>
           </a:p>
         </p:txBody>
       </p:sp>
@@ -1009,7 +1090,7 @@
           <a:p>
             <a:fld id="{78C97017-6FC3-485B-9764-EAC9E56C1D49}" type="datetimeFigureOut">
               <a:rPr lang="en-US" smtClean="0"/>
-              <a:t>11/9/2017</a:t>
+              <a:t>11/13/2017</a:t>
             </a:fld>
             <a:endParaRPr lang="en-US"/>
           </a:p>
@@ -1103,10 +1184,9 @@
           <a:lstStyle/>
           <a:p>
             <a:r>
-              <a:rPr lang="en-US" smtClean="0"/>
+              <a:rPr lang="en-US"/>
               <a:t>Click to edit Master title style</a:t>
             </a:r>
-            <a:endParaRPr lang="en-US"/>
           </a:p>
         </p:txBody>
       </p:sp>
@@ -1127,38 +1207,37 @@
           <a:p>
             <a:pPr lvl="0"/>
             <a:r>
-              <a:rPr lang="en-US" smtClean="0"/>
+              <a:rPr lang="en-US"/>
               <a:t>Click to edit Master text styles</a:t>
             </a:r>
           </a:p>
           <a:p>
             <a:pPr lvl="1"/>
             <a:r>
-              <a:rPr lang="en-US" smtClean="0"/>
+              <a:rPr lang="en-US"/>
               <a:t>Second level</a:t>
             </a:r>
           </a:p>
           <a:p>
             <a:pPr lvl="2"/>
             <a:r>
-              <a:rPr lang="en-US" smtClean="0"/>
+              <a:rPr lang="en-US"/>
               <a:t>Third level</a:t>
             </a:r>
           </a:p>
           <a:p>
             <a:pPr lvl="3"/>
             <a:r>
-              <a:rPr lang="en-US" smtClean="0"/>
+              <a:rPr lang="en-US"/>
               <a:t>Fourth level</a:t>
             </a:r>
           </a:p>
           <a:p>
             <a:pPr lvl="4"/>
             <a:r>
-              <a:rPr lang="en-US" smtClean="0"/>
+              <a:rPr lang="en-US"/>
               <a:t>Fifth level</a:t>
             </a:r>
-            <a:endParaRPr lang="en-US"/>
           </a:p>
         </p:txBody>
       </p:sp>
@@ -1179,7 +1258,7 @@
           <a:p>
             <a:fld id="{78C97017-6FC3-485B-9764-EAC9E56C1D49}" type="datetimeFigureOut">
               <a:rPr lang="en-US" smtClean="0"/>
-              <a:t>11/9/2017</a:t>
+              <a:t>11/13/2017</a:t>
             </a:fld>
             <a:endParaRPr lang="en-US"/>
           </a:p>
@@ -1282,10 +1361,9 @@
           </a:lstStyle>
           <a:p>
             <a:r>
-              <a:rPr lang="en-US" smtClean="0"/>
+              <a:rPr lang="en-US"/>
               <a:t>Click to edit Master title style</a:t>
             </a:r>
-            <a:endParaRPr lang="en-US"/>
           </a:p>
         </p:txBody>
       </p:sp>
@@ -1402,7 +1480,7 @@
           <a:p>
             <a:pPr lvl="0"/>
             <a:r>
-              <a:rPr lang="en-US" smtClean="0"/>
+              <a:rPr lang="en-US"/>
               <a:t>Click to edit Master text styles</a:t>
             </a:r>
           </a:p>
@@ -1425,7 +1503,7 @@
           <a:p>
             <a:fld id="{78C97017-6FC3-485B-9764-EAC9E56C1D49}" type="datetimeFigureOut">
               <a:rPr lang="en-US" smtClean="0"/>
-              <a:t>11/9/2017</a:t>
+              <a:t>11/13/2017</a:t>
             </a:fld>
             <a:endParaRPr lang="en-US"/>
           </a:p>
@@ -1519,10 +1597,9 @@
           <a:lstStyle/>
           <a:p>
             <a:r>
-              <a:rPr lang="en-US" smtClean="0"/>
+              <a:rPr lang="en-US"/>
               <a:t>Click to edit Master title style</a:t>
             </a:r>
-            <a:endParaRPr lang="en-US"/>
           </a:p>
         </p:txBody>
       </p:sp>
@@ -1576,38 +1653,37 @@
           <a:p>
             <a:pPr lvl="0"/>
             <a:r>
-              <a:rPr lang="en-US" smtClean="0"/>
+              <a:rPr lang="en-US"/>
               <a:t>Click to edit Master text styles</a:t>
             </a:r>
           </a:p>
           <a:p>
             <a:pPr lvl="1"/>
             <a:r>
-              <a:rPr lang="en-US" smtClean="0"/>
+              <a:rPr lang="en-US"/>
               <a:t>Second level</a:t>
             </a:r>
           </a:p>
           <a:p>
             <a:pPr lvl="2"/>
             <a:r>
-              <a:rPr lang="en-US" smtClean="0"/>
+              <a:rPr lang="en-US"/>
               <a:t>Third level</a:t>
             </a:r>
           </a:p>
           <a:p>
             <a:pPr lvl="3"/>
             <a:r>
-              <a:rPr lang="en-US" smtClean="0"/>
+              <a:rPr lang="en-US"/>
               <a:t>Fourth level</a:t>
             </a:r>
           </a:p>
           <a:p>
             <a:pPr lvl="4"/>
             <a:r>
-              <a:rPr lang="en-US" smtClean="0"/>
+              <a:rPr lang="en-US"/>
               <a:t>Fifth level</a:t>
             </a:r>
-            <a:endParaRPr lang="en-US"/>
           </a:p>
         </p:txBody>
       </p:sp>
@@ -1661,38 +1737,37 @@
           <a:p>
             <a:pPr lvl="0"/>
             <a:r>
-              <a:rPr lang="en-US" smtClean="0"/>
+              <a:rPr lang="en-US"/>
               <a:t>Click to edit Master text styles</a:t>
             </a:r>
           </a:p>
           <a:p>
             <a:pPr lvl="1"/>
             <a:r>
-              <a:rPr lang="en-US" smtClean="0"/>
+              <a:rPr lang="en-US"/>
               <a:t>Second level</a:t>
             </a:r>
           </a:p>
           <a:p>
             <a:pPr lvl="2"/>
             <a:r>
-              <a:rPr lang="en-US" smtClean="0"/>
+              <a:rPr lang="en-US"/>
               <a:t>Third level</a:t>
             </a:r>
           </a:p>
           <a:p>
             <a:pPr lvl="3"/>
             <a:r>
-              <a:rPr lang="en-US" smtClean="0"/>
+              <a:rPr lang="en-US"/>
               <a:t>Fourth level</a:t>
             </a:r>
           </a:p>
           <a:p>
             <a:pPr lvl="4"/>
             <a:r>
-              <a:rPr lang="en-US" smtClean="0"/>
+              <a:rPr lang="en-US"/>
               <a:t>Fifth level</a:t>
             </a:r>
-            <a:endParaRPr lang="en-US"/>
           </a:p>
         </p:txBody>
       </p:sp>
@@ -1713,7 +1788,7 @@
           <a:p>
             <a:fld id="{78C97017-6FC3-485B-9764-EAC9E56C1D49}" type="datetimeFigureOut">
               <a:rPr lang="en-US" smtClean="0"/>
-              <a:t>11/9/2017</a:t>
+              <a:t>11/13/2017</a:t>
             </a:fld>
             <a:endParaRPr lang="en-US"/>
           </a:p>
@@ -1811,10 +1886,9 @@
           </a:lstStyle>
           <a:p>
             <a:r>
-              <a:rPr lang="en-US" smtClean="0"/>
+              <a:rPr lang="en-US"/>
               <a:t>Click to edit Master title style</a:t>
             </a:r>
-            <a:endParaRPr lang="en-US"/>
           </a:p>
         </p:txBody>
       </p:sp>
@@ -1877,7 +1951,7 @@
           <a:p>
             <a:pPr lvl="0"/>
             <a:r>
-              <a:rPr lang="en-US" smtClean="0"/>
+              <a:rPr lang="en-US"/>
               <a:t>Click to edit Master text styles</a:t>
             </a:r>
           </a:p>
@@ -1933,38 +2007,37 @@
           <a:p>
             <a:pPr lvl="0"/>
             <a:r>
-              <a:rPr lang="en-US" smtClean="0"/>
+              <a:rPr lang="en-US"/>
               <a:t>Click to edit Master text styles</a:t>
             </a:r>
           </a:p>
           <a:p>
             <a:pPr lvl="1"/>
             <a:r>
-              <a:rPr lang="en-US" smtClean="0"/>
+              <a:rPr lang="en-US"/>
               <a:t>Second level</a:t>
             </a:r>
           </a:p>
           <a:p>
             <a:pPr lvl="2"/>
             <a:r>
-              <a:rPr lang="en-US" smtClean="0"/>
+              <a:rPr lang="en-US"/>
               <a:t>Third level</a:t>
             </a:r>
           </a:p>
           <a:p>
             <a:pPr lvl="3"/>
             <a:r>
-              <a:rPr lang="en-US" smtClean="0"/>
+              <a:rPr lang="en-US"/>
               <a:t>Fourth level</a:t>
             </a:r>
           </a:p>
           <a:p>
             <a:pPr lvl="4"/>
             <a:r>
-              <a:rPr lang="en-US" smtClean="0"/>
+              <a:rPr lang="en-US"/>
               <a:t>Fifth level</a:t>
             </a:r>
-            <a:endParaRPr lang="en-US"/>
           </a:p>
         </p:txBody>
       </p:sp>
@@ -2027,7 +2100,7 @@
           <a:p>
             <a:pPr lvl="0"/>
             <a:r>
-              <a:rPr lang="en-US" smtClean="0"/>
+              <a:rPr lang="en-US"/>
               <a:t>Click to edit Master text styles</a:t>
             </a:r>
           </a:p>
@@ -2083,38 +2156,37 @@
           <a:p>
             <a:pPr lvl="0"/>
             <a:r>
-              <a:rPr lang="en-US" smtClean="0"/>
+              <a:rPr lang="en-US"/>
               <a:t>Click to edit Master text styles</a:t>
             </a:r>
           </a:p>
           <a:p>
             <a:pPr lvl="1"/>
             <a:r>
-              <a:rPr lang="en-US" smtClean="0"/>
+              <a:rPr lang="en-US"/>
               <a:t>Second level</a:t>
             </a:r>
           </a:p>
           <a:p>
             <a:pPr lvl="2"/>
             <a:r>
-              <a:rPr lang="en-US" smtClean="0"/>
+              <a:rPr lang="en-US"/>
               <a:t>Third level</a:t>
             </a:r>
           </a:p>
           <a:p>
             <a:pPr lvl="3"/>
             <a:r>
-              <a:rPr lang="en-US" smtClean="0"/>
+              <a:rPr lang="en-US"/>
               <a:t>Fourth level</a:t>
             </a:r>
           </a:p>
           <a:p>
             <a:pPr lvl="4"/>
             <a:r>
-              <a:rPr lang="en-US" smtClean="0"/>
+              <a:rPr lang="en-US"/>
               <a:t>Fifth level</a:t>
             </a:r>
-            <a:endParaRPr lang="en-US"/>
           </a:p>
         </p:txBody>
       </p:sp>
@@ -2135,7 +2207,7 @@
           <a:p>
             <a:fld id="{78C97017-6FC3-485B-9764-EAC9E56C1D49}" type="datetimeFigureOut">
               <a:rPr lang="en-US" smtClean="0"/>
-              <a:t>11/9/2017</a:t>
+              <a:t>11/13/2017</a:t>
             </a:fld>
             <a:endParaRPr lang="en-US"/>
           </a:p>
@@ -2229,10 +2301,9 @@
           <a:lstStyle/>
           <a:p>
             <a:r>
-              <a:rPr lang="en-US" smtClean="0"/>
+              <a:rPr lang="en-US"/>
               <a:t>Click to edit Master title style</a:t>
             </a:r>
-            <a:endParaRPr lang="en-US"/>
           </a:p>
         </p:txBody>
       </p:sp>
@@ -2253,7 +2324,7 @@
           <a:p>
             <a:fld id="{78C97017-6FC3-485B-9764-EAC9E56C1D49}" type="datetimeFigureOut">
               <a:rPr lang="en-US" smtClean="0"/>
-              <a:t>11/9/2017</a:t>
+              <a:t>11/13/2017</a:t>
             </a:fld>
             <a:endParaRPr lang="en-US"/>
           </a:p>
@@ -2348,7 +2419,7 @@
           <a:p>
             <a:fld id="{78C97017-6FC3-485B-9764-EAC9E56C1D49}" type="datetimeFigureOut">
               <a:rPr lang="en-US" smtClean="0"/>
-              <a:t>11/9/2017</a:t>
+              <a:t>11/13/2017</a:t>
             </a:fld>
             <a:endParaRPr lang="en-US"/>
           </a:p>
@@ -2451,10 +2522,9 @@
           </a:lstStyle>
           <a:p>
             <a:r>
-              <a:rPr lang="en-US" smtClean="0"/>
+              <a:rPr lang="en-US"/>
               <a:t>Click to edit Master title style</a:t>
             </a:r>
-            <a:endParaRPr lang="en-US"/>
           </a:p>
         </p:txBody>
       </p:sp>
@@ -2508,38 +2578,37 @@
           <a:p>
             <a:pPr lvl="0"/>
             <a:r>
-              <a:rPr lang="en-US" smtClean="0"/>
+              <a:rPr lang="en-US"/>
               <a:t>Click to edit Master text styles</a:t>
             </a:r>
           </a:p>
           <a:p>
             <a:pPr lvl="1"/>
             <a:r>
-              <a:rPr lang="en-US" smtClean="0"/>
+              <a:rPr lang="en-US"/>
               <a:t>Second level</a:t>
             </a:r>
           </a:p>
           <a:p>
             <a:pPr lvl="2"/>
             <a:r>
-              <a:rPr lang="en-US" smtClean="0"/>
+              <a:rPr lang="en-US"/>
               <a:t>Third level</a:t>
             </a:r>
           </a:p>
           <a:p>
             <a:pPr lvl="3"/>
             <a:r>
-              <a:rPr lang="en-US" smtClean="0"/>
+              <a:rPr lang="en-US"/>
               <a:t>Fourth level</a:t>
             </a:r>
           </a:p>
           <a:p>
             <a:pPr lvl="4"/>
             <a:r>
-              <a:rPr lang="en-US" smtClean="0"/>
+              <a:rPr lang="en-US"/>
               <a:t>Fifth level</a:t>
             </a:r>
-            <a:endParaRPr lang="en-US"/>
           </a:p>
         </p:txBody>
       </p:sp>
@@ -2602,7 +2671,7 @@
           <a:p>
             <a:pPr lvl="0"/>
             <a:r>
-              <a:rPr lang="en-US" smtClean="0"/>
+              <a:rPr lang="en-US"/>
               <a:t>Click to edit Master text styles</a:t>
             </a:r>
           </a:p>
@@ -2625,7 +2694,7 @@
           <a:p>
             <a:fld id="{78C97017-6FC3-485B-9764-EAC9E56C1D49}" type="datetimeFigureOut">
               <a:rPr lang="en-US" smtClean="0"/>
-              <a:t>11/9/2017</a:t>
+              <a:t>11/13/2017</a:t>
             </a:fld>
             <a:endParaRPr lang="en-US"/>
           </a:p>
@@ -2728,10 +2797,9 @@
           </a:lstStyle>
           <a:p>
             <a:r>
-              <a:rPr lang="en-US" smtClean="0"/>
+              <a:rPr lang="en-US"/>
               <a:t>Click to edit Master title style</a:t>
             </a:r>
-            <a:endParaRPr lang="en-US"/>
           </a:p>
         </p:txBody>
       </p:sp>
@@ -2855,7 +2923,7 @@
           <a:p>
             <a:pPr lvl="0"/>
             <a:r>
-              <a:rPr lang="en-US" smtClean="0"/>
+              <a:rPr lang="en-US"/>
               <a:t>Click to edit Master text styles</a:t>
             </a:r>
           </a:p>
@@ -2878,7 +2946,7 @@
           <a:p>
             <a:fld id="{78C97017-6FC3-485B-9764-EAC9E56C1D49}" type="datetimeFigureOut">
               <a:rPr lang="en-US" smtClean="0"/>
-              <a:t>11/9/2017</a:t>
+              <a:t>11/13/2017</a:t>
             </a:fld>
             <a:endParaRPr lang="en-US"/>
           </a:p>
@@ -2987,10 +3055,9 @@
           <a:lstStyle/>
           <a:p>
             <a:r>
-              <a:rPr lang="en-US" smtClean="0"/>
+              <a:rPr lang="en-US"/>
               <a:t>Click to edit Master title style</a:t>
             </a:r>
-            <a:endParaRPr lang="en-US"/>
           </a:p>
         </p:txBody>
       </p:sp>
@@ -3021,38 +3088,37 @@
           <a:p>
             <a:pPr lvl="0"/>
             <a:r>
-              <a:rPr lang="en-US" smtClean="0"/>
+              <a:rPr lang="en-US"/>
               <a:t>Click to edit Master text styles</a:t>
             </a:r>
           </a:p>
           <a:p>
             <a:pPr lvl="1"/>
             <a:r>
-              <a:rPr lang="en-US" smtClean="0"/>
+              <a:rPr lang="en-US"/>
               <a:t>Second level</a:t>
             </a:r>
           </a:p>
           <a:p>
             <a:pPr lvl="2"/>
             <a:r>
-              <a:rPr lang="en-US" smtClean="0"/>
+              <a:rPr lang="en-US"/>
               <a:t>Third level</a:t>
             </a:r>
           </a:p>
           <a:p>
             <a:pPr lvl="3"/>
             <a:r>
-              <a:rPr lang="en-US" smtClean="0"/>
+              <a:rPr lang="en-US"/>
               <a:t>Fourth level</a:t>
             </a:r>
           </a:p>
           <a:p>
             <a:pPr lvl="4"/>
             <a:r>
-              <a:rPr lang="en-US" smtClean="0"/>
+              <a:rPr lang="en-US"/>
               <a:t>Fifth level</a:t>
             </a:r>
-            <a:endParaRPr lang="en-US"/>
           </a:p>
         </p:txBody>
       </p:sp>
@@ -3091,7 +3157,7 @@
           <a:p>
             <a:fld id="{78C97017-6FC3-485B-9764-EAC9E56C1D49}" type="datetimeFigureOut">
               <a:rPr lang="en-US" smtClean="0"/>
-              <a:t>11/9/2017</a:t>
+              <a:t>11/13/2017</a:t>
             </a:fld>
             <a:endParaRPr lang="en-US"/>
           </a:p>
@@ -3474,7 +3540,7 @@
         </p:nvSpPr>
         <p:spPr>
           <a:xfrm>
-            <a:off x="124311" y="2119504"/>
+            <a:off x="81620" y="2057400"/>
             <a:ext cx="6599745" cy="4000286"/>
           </a:xfrm>
           <a:prstGeom prst="roundRect">
@@ -3706,20 +3772,12 @@
           <a:p>
             <a:pPr algn="ctr"/>
             <a:r>
-              <a:rPr lang="en-US" sz="1600" dirty="0" smtClean="0">
+              <a:rPr lang="en-US" sz="1600" dirty="0">
                 <a:solidFill>
                   <a:schemeClr val="bg1"/>
                 </a:solidFill>
               </a:rPr>
               <a:t>cl:Calendar</a:t>
-            </a:r>
-            <a:r>
-              <a:rPr lang="en-US" sz="1600" dirty="0">
-                <a:solidFill>
-                  <a:schemeClr val="bg1"/>
-                </a:solidFill>
-              </a:rPr>
-              <a:t/>
             </a:r>
             <a:br>
               <a:rPr lang="en-US" sz="1600" dirty="0">
@@ -3789,7 +3847,7 @@
         </p:nvSpPr>
         <p:spPr>
           <a:xfrm>
-            <a:off x="4439826" y="3660368"/>
+            <a:off x="4464464" y="3677137"/>
             <a:ext cx="152400" cy="276003"/>
           </a:xfrm>
           <a:prstGeom prst="rect">
@@ -3885,18 +3943,13 @@
           <a:p>
             <a:pPr algn="r"/>
             <a:r>
-              <a:rPr lang="en-US" sz="1200" dirty="0" smtClean="0">
+              <a:rPr lang="en-US" sz="1200" dirty="0">
                 <a:solidFill>
                   <a:srgbClr val="0070C0"/>
                 </a:solidFill>
               </a:rPr>
               <a:t>execute(“calendar”)</a:t>
             </a:r>
-            <a:endParaRPr lang="en-US" sz="1200" dirty="0">
-              <a:solidFill>
-                <a:srgbClr val="0070C0"/>
-              </a:solidFill>
-            </a:endParaRPr>
           </a:p>
         </p:txBody>
       </p:sp>
@@ -3944,7 +3997,7 @@
         </p:nvSpPr>
         <p:spPr>
           <a:xfrm>
-            <a:off x="3044473" y="4984213"/>
+            <a:off x="2358943" y="4944978"/>
             <a:ext cx="855809" cy="215444"/>
           </a:xfrm>
           <a:prstGeom prst="rect">
@@ -3979,13 +4032,15 @@
       <p:cxnSp>
         <p:nvCxnSpPr>
           <p:cNvPr id="34" name="Straight Arrow Connector 33"/>
-          <p:cNvCxnSpPr/>
+          <p:cNvCxnSpPr>
+            <a:cxnSpLocks/>
+          </p:cNvCxnSpPr>
           <p:nvPr/>
         </p:nvCxnSpPr>
         <p:spPr>
           <a:xfrm flipV="1">
-            <a:off x="1297310" y="4491120"/>
-            <a:ext cx="1112959" cy="7840"/>
+            <a:off x="1237916" y="4503499"/>
+            <a:ext cx="1193755" cy="13135"/>
           </a:xfrm>
           <a:prstGeom prst="straightConnector1">
             <a:avLst/>
@@ -4055,13 +4110,15 @@
       <p:cxnSp>
         <p:nvCxnSpPr>
           <p:cNvPr id="64" name="Straight Arrow Connector 63"/>
-          <p:cNvCxnSpPr/>
+          <p:cNvCxnSpPr>
+            <a:cxnSpLocks/>
+          </p:cNvCxnSpPr>
           <p:nvPr/>
         </p:nvCxnSpPr>
         <p:spPr>
           <a:xfrm>
-            <a:off x="1253358" y="4858212"/>
-            <a:ext cx="3168933" cy="31145"/>
+            <a:off x="1230677" y="4812224"/>
+            <a:ext cx="3166761" cy="16826"/>
           </a:xfrm>
           <a:prstGeom prst="straightConnector1">
             <a:avLst/>
@@ -4096,7 +4153,7 @@
         </p:nvSpPr>
         <p:spPr>
           <a:xfrm>
-            <a:off x="4429306" y="4724863"/>
+            <a:off x="4452289" y="4740812"/>
             <a:ext cx="143227" cy="919319"/>
           </a:xfrm>
           <a:prstGeom prst="rect">
@@ -4139,14 +4196,15 @@
         <p:nvCxnSpPr>
           <p:cNvPr id="77" name="Straight Arrow Connector 76"/>
           <p:cNvCxnSpPr>
+            <a:cxnSpLocks/>
             <a:endCxn id="65" idx="2"/>
           </p:cNvCxnSpPr>
           <p:nvPr/>
         </p:nvCxnSpPr>
         <p:spPr>
-          <a:xfrm flipV="1">
-            <a:off x="1218200" y="5644182"/>
-            <a:ext cx="3282720" cy="7038"/>
+          <a:xfrm>
+            <a:off x="1233417" y="5642294"/>
+            <a:ext cx="3290486" cy="17837"/>
           </a:xfrm>
           <a:prstGeom prst="straightConnector1">
             <a:avLst/>
@@ -4209,10 +4267,9 @@
           </a:lstStyle>
           <a:p>
             <a:r>
-              <a:rPr lang="en-US" dirty="0" smtClean="0"/>
+              <a:rPr lang="en-US" dirty="0"/>
               <a:t>create()</a:t>
             </a:r>
-            <a:endParaRPr lang="en-US" dirty="0"/>
           </a:p>
         </p:txBody>
       </p:sp>
@@ -4250,10 +4307,9 @@
           </a:lstStyle>
           <a:p>
             <a:r>
-              <a:rPr lang="en-US" dirty="0" smtClean="0"/>
+              <a:rPr lang="en-US" dirty="0"/>
               <a:t>result</a:t>
             </a:r>
-            <a:endParaRPr lang="en-US" dirty="0"/>
           </a:p>
         </p:txBody>
       </p:sp>
@@ -4291,10 +4347,9 @@
           </a:lstStyle>
           <a:p>
             <a:r>
-              <a:rPr lang="en-US" dirty="0" smtClean="0"/>
+              <a:rPr lang="en-US" dirty="0"/>
               <a:t>result</a:t>
             </a:r>
-            <a:endParaRPr lang="en-US" dirty="0"/>
           </a:p>
         </p:txBody>
       </p:sp>
@@ -4342,7 +4397,7 @@
           <a:p>
             <a:pPr algn="ctr"/>
             <a:r>
-              <a:rPr lang="en-US" sz="1600" dirty="0" smtClean="0">
+              <a:rPr lang="en-US" sz="1600" dirty="0">
                 <a:solidFill>
                   <a:schemeClr val="bg1"/>
                 </a:solidFill>
@@ -4350,14 +4405,14 @@
               <a:t>result:</a:t>
             </a:r>
             <a:br>
-              <a:rPr lang="en-US" sz="1600" dirty="0" smtClean="0">
+              <a:rPr lang="en-US" sz="1600" dirty="0">
                 <a:solidFill>
                   <a:schemeClr val="bg1"/>
                 </a:solidFill>
               </a:rPr>
             </a:br>
             <a:r>
-              <a:rPr lang="en-US" sz="1600" dirty="0" smtClean="0">
+              <a:rPr lang="en-US" sz="1600" dirty="0">
                 <a:solidFill>
                   <a:schemeClr val="bg1"/>
                 </a:solidFill>
@@ -4380,7 +4435,7 @@
         </p:nvSpPr>
         <p:spPr>
           <a:xfrm>
-            <a:off x="5856540" y="5459409"/>
+            <a:off x="5962350" y="5427232"/>
             <a:ext cx="152400" cy="171376"/>
           </a:xfrm>
           <a:prstGeom prst="rect">
@@ -4422,13 +4477,15 @@
       <p:cxnSp>
         <p:nvCxnSpPr>
           <p:cNvPr id="87" name="Straight Arrow Connector 86"/>
-          <p:cNvCxnSpPr/>
+          <p:cNvCxnSpPr>
+            <a:cxnSpLocks/>
+          </p:cNvCxnSpPr>
           <p:nvPr/>
         </p:nvCxnSpPr>
         <p:spPr>
           <a:xfrm>
-            <a:off x="4453563" y="5189504"/>
-            <a:ext cx="721136" cy="6959"/>
+            <a:off x="4445470" y="5196463"/>
+            <a:ext cx="744059" cy="6959"/>
           </a:xfrm>
           <a:prstGeom prst="straightConnector1">
             <a:avLst/>
@@ -4458,13 +4515,16 @@
       <p:cxnSp>
         <p:nvCxnSpPr>
           <p:cNvPr id="90" name="Straight Arrow Connector 89"/>
-          <p:cNvCxnSpPr/>
+          <p:cNvCxnSpPr>
+            <a:cxnSpLocks/>
+            <a:endCxn id="86" idx="2"/>
+          </p:cNvCxnSpPr>
           <p:nvPr/>
         </p:nvCxnSpPr>
         <p:spPr>
           <a:xfrm>
-            <a:off x="4547792" y="5644182"/>
-            <a:ext cx="1253815" cy="0"/>
+            <a:off x="4612277" y="5598608"/>
+            <a:ext cx="1426273" cy="0"/>
           </a:xfrm>
           <a:prstGeom prst="straightConnector1">
             <a:avLst/>
@@ -4527,10 +4587,9 @@
           </a:lstStyle>
           <a:p>
             <a:r>
-              <a:rPr lang="en-US" dirty="0" smtClean="0"/>
+              <a:rPr lang="en-US" dirty="0"/>
               <a:t>cl</a:t>
             </a:r>
-            <a:endParaRPr lang="en-US" dirty="0"/>
           </a:p>
         </p:txBody>
       </p:sp>
@@ -4542,7 +4601,7 @@
         </p:nvSpPr>
         <p:spPr>
           <a:xfrm>
-            <a:off x="6355331" y="2450261"/>
+            <a:off x="6355675" y="2555672"/>
             <a:ext cx="1371600" cy="346760"/>
           </a:xfrm>
           <a:prstGeom prst="rect">
@@ -4582,20 +4641,12 @@
           <a:p>
             <a:pPr algn="ctr"/>
             <a:r>
-              <a:rPr lang="en-US" sz="1600" dirty="0" smtClean="0">
+              <a:rPr lang="en-US" sz="1600" dirty="0">
                 <a:solidFill>
                   <a:schemeClr val="bg1"/>
                 </a:solidFill>
               </a:rPr>
-              <a:t>:</a:t>
-            </a:r>
-            <a:r>
-              <a:rPr lang="en-US" sz="1600" dirty="0" err="1" smtClean="0">
-                <a:solidFill>
-                  <a:schemeClr val="bg1"/>
-                </a:solidFill>
-              </a:rPr>
-              <a:t>EventsCenter</a:t>
+              <a:t>:EventsCenter</a:t>
             </a:r>
             <a:endParaRPr lang="en-SG" sz="1600" dirty="0">
               <a:solidFill>
@@ -4613,7 +4664,7 @@
         </p:nvCxnSpPr>
         <p:spPr>
           <a:xfrm>
-            <a:off x="7041131" y="2823217"/>
+            <a:off x="7059075" y="2958114"/>
             <a:ext cx="3479" cy="1765406"/>
           </a:xfrm>
           <a:prstGeom prst="line">
@@ -4691,8 +4742,8 @@
         </p:nvSpPr>
         <p:spPr>
           <a:xfrm>
-            <a:off x="6985047" y="4588623"/>
-            <a:ext cx="170387" cy="282941"/>
+            <a:off x="6943864" y="4739195"/>
+            <a:ext cx="253937" cy="215443"/>
           </a:xfrm>
           <a:prstGeom prst="rect">
             <a:avLst/>
@@ -4746,7 +4797,7 @@
         </p:nvSpPr>
         <p:spPr>
           <a:xfrm>
-            <a:off x="4555548" y="4400706"/>
+            <a:off x="4571760" y="4475545"/>
             <a:ext cx="4488551" cy="215444"/>
           </a:xfrm>
           <a:prstGeom prst="rect">
@@ -4761,7 +4812,7 @@
           <a:lstStyle/>
           <a:p>
             <a:r>
-              <a:rPr lang="en-US" sz="1400" dirty="0" smtClean="0">
+              <a:rPr lang="en-US" sz="1400" dirty="0">
                 <a:solidFill>
                   <a:schemeClr val="accent5">
                     <a:lumMod val="75000"/>
@@ -4770,26 +4821,21 @@
               </a:rPr>
               <a:t>Post( ShowCalendarRequestEvent)</a:t>
             </a:r>
-            <a:endParaRPr lang="en-US" sz="1400" dirty="0">
-              <a:solidFill>
-                <a:schemeClr val="accent5">
-                  <a:lumMod val="75000"/>
-                </a:schemeClr>
-              </a:solidFill>
-            </a:endParaRPr>
           </a:p>
         </p:txBody>
       </p:sp>
       <p:cxnSp>
         <p:nvCxnSpPr>
           <p:cNvPr id="47" name="Straight Arrow Connector 46"/>
-          <p:cNvCxnSpPr/>
+          <p:cNvCxnSpPr>
+            <a:cxnSpLocks/>
+          </p:cNvCxnSpPr>
           <p:nvPr/>
         </p:nvCxnSpPr>
         <p:spPr>
           <a:xfrm>
-            <a:off x="4683891" y="4755668"/>
-            <a:ext cx="2180285" cy="3329"/>
+            <a:off x="4616864" y="4776863"/>
+            <a:ext cx="2332519" cy="0"/>
           </a:xfrm>
           <a:prstGeom prst="straightConnector1">
             <a:avLst/>
@@ -4799,13 +4845,13 @@
           </a:ln>
         </p:spPr>
         <p:style>
-          <a:lnRef idx="1">
+          <a:lnRef idx="2">
             <a:schemeClr val="accent5"/>
           </a:lnRef>
           <a:fillRef idx="0">
             <a:schemeClr val="accent5"/>
           </a:fillRef>
-          <a:effectRef idx="0">
+          <a:effectRef idx="1">
             <a:schemeClr val="accent5"/>
           </a:effectRef>
           <a:fontRef idx="minor">
@@ -4821,7 +4867,7 @@
         </p:nvCxnSpPr>
         <p:spPr>
           <a:xfrm flipV="1">
-            <a:off x="4545181" y="4860404"/>
+            <a:off x="4583092" y="4894749"/>
             <a:ext cx="2324383" cy="19669"/>
           </a:xfrm>
           <a:prstGeom prst="straightConnector1">
@@ -4861,7 +4907,7 @@
         </p:nvSpPr>
         <p:spPr>
           <a:xfrm>
-            <a:off x="7831857" y="3654609"/>
+            <a:off x="7831856" y="3769489"/>
             <a:ext cx="1093635" cy="346760"/>
           </a:xfrm>
           <a:prstGeom prst="rect">
@@ -4897,7 +4943,7 @@
           <a:p>
             <a:pPr algn="ctr"/>
             <a:r>
-              <a:rPr lang="en-US" sz="1600" dirty="0" smtClean="0">
+              <a:rPr lang="en-US" sz="1600" dirty="0">
                 <a:solidFill>
                   <a:schemeClr val="bg1"/>
                 </a:solidFill>
@@ -4920,7 +4966,7 @@
         </p:nvCxnSpPr>
         <p:spPr>
           <a:xfrm>
-            <a:off x="8395863" y="4027860"/>
+            <a:off x="8384917" y="4130226"/>
             <a:ext cx="0" cy="560763"/>
           </a:xfrm>
           <a:prstGeom prst="line">
@@ -4957,8 +5003,8 @@
         </p:nvSpPr>
         <p:spPr>
           <a:xfrm>
-            <a:off x="8314591" y="4564130"/>
-            <a:ext cx="226323" cy="243407"/>
+            <a:off x="8289088" y="4760962"/>
+            <a:ext cx="179170" cy="172462"/>
           </a:xfrm>
           <a:prstGeom prst="rect">
             <a:avLst/>
@@ -5003,13 +5049,16 @@
       <p:cxnSp>
         <p:nvCxnSpPr>
           <p:cNvPr id="101" name="Straight Arrow Connector 100"/>
-          <p:cNvCxnSpPr/>
+          <p:cNvCxnSpPr>
+            <a:cxnSpLocks/>
+            <a:endCxn id="98" idx="2"/>
+          </p:cNvCxnSpPr>
           <p:nvPr/>
         </p:nvCxnSpPr>
         <p:spPr>
           <a:xfrm>
-            <a:off x="7182623" y="4784010"/>
-            <a:ext cx="1123177" cy="0"/>
+            <a:off x="7201282" y="4933424"/>
+            <a:ext cx="1177391" cy="0"/>
           </a:xfrm>
           <a:prstGeom prst="straightConnector1">
             <a:avLst/>
@@ -5046,7 +5095,7 @@
         </p:nvCxnSpPr>
         <p:spPr>
           <a:xfrm>
-            <a:off x="8378674" y="4835374"/>
+            <a:off x="8378673" y="4883644"/>
             <a:ext cx="0" cy="1674737"/>
           </a:xfrm>
           <a:prstGeom prst="line">
@@ -5083,7 +5132,7 @@
         </p:nvCxnSpPr>
         <p:spPr>
           <a:xfrm>
-            <a:off x="7182623" y="4647589"/>
+            <a:off x="7170187" y="4760962"/>
             <a:ext cx="1123177" cy="0"/>
           </a:xfrm>
           <a:prstGeom prst="straightConnector1">
@@ -5119,7 +5168,7 @@
         </p:nvSpPr>
         <p:spPr>
           <a:xfrm>
-            <a:off x="7334227" y="4348686"/>
+            <a:off x="7300139" y="4503499"/>
             <a:ext cx="1503788" cy="215444"/>
           </a:xfrm>
           <a:prstGeom prst="rect">
@@ -5134,18 +5183,13 @@
           <a:lstStyle/>
           <a:p>
             <a:r>
-              <a:rPr lang="en-US" sz="1400" dirty="0" smtClean="0">
+              <a:rPr lang="en-US" sz="1400" dirty="0">
                 <a:solidFill>
                   <a:srgbClr val="00B050"/>
                 </a:solidFill>
               </a:rPr>
               <a:t>loadPage()</a:t>
             </a:r>
-            <a:endParaRPr lang="en-US" sz="1400" dirty="0">
-              <a:solidFill>
-                <a:srgbClr val="00B050"/>
-              </a:solidFill>
-            </a:endParaRPr>
           </a:p>
         </p:txBody>
       </p:sp>
@@ -5304,10 +5348,9 @@
           </a:lstStyle>
           <a:p>
             <a:r>
-              <a:rPr lang="en-US" dirty="0" smtClean="0"/>
+              <a:rPr lang="en-US" dirty="0"/>
               <a:t>Logic</a:t>
             </a:r>
-            <a:endParaRPr lang="en-US" dirty="0"/>
           </a:p>
         </p:txBody>
       </p:sp>
@@ -5346,13 +5389,8 @@
           <a:p>
             <a:r>
               <a:rPr lang="en-US" dirty="0"/>
-              <a:t>parse</a:t>
-            </a:r>
-            <a:r>
-              <a:rPr lang="en-US" dirty="0" smtClean="0"/>
-              <a:t>(“calendar”)</a:t>
-            </a:r>
-            <a:endParaRPr lang="en-US" dirty="0"/>
+              <a:t>parse(“calendar”)</a:t>
+            </a:r>
           </a:p>
         </p:txBody>
       </p:sp>
@@ -5433,14 +5471,15 @@
         <p:nvCxnSpPr>
           <p:cNvPr id="134" name="Straight Arrow Connector 133"/>
           <p:cNvCxnSpPr>
+            <a:cxnSpLocks/>
             <a:endCxn id="21" idx="2"/>
           </p:cNvCxnSpPr>
           <p:nvPr/>
         </p:nvCxnSpPr>
         <p:spPr>
           <a:xfrm>
-            <a:off x="2678518" y="3935254"/>
-            <a:ext cx="1837508" cy="1117"/>
+            <a:off x="2667502" y="3953140"/>
+            <a:ext cx="1873162" cy="0"/>
           </a:xfrm>
           <a:prstGeom prst="straightConnector1">
             <a:avLst/>
@@ -5479,13 +5518,6 @@
   <p:clrMapOvr>
     <a:masterClrMapping/>
   </p:clrMapOvr>
-  <p:timing>
-    <p:tnLst>
-      <p:par>
-        <p:cTn id="1" dur="indefinite" restart="never" nodeType="tmRoot"/>
-      </p:par>
-    </p:tnLst>
-  </p:timing>
 </p:sld>
 </file>
 
@@ -5514,7 +5546,7 @@
         </p:nvSpPr>
         <p:spPr>
           <a:xfrm>
-            <a:off x="110040" y="1661777"/>
+            <a:off x="109107" y="1413590"/>
             <a:ext cx="7611506" cy="5046591"/>
           </a:xfrm>
           <a:prstGeom prst="roundRect">
@@ -5912,20 +5944,12 @@
           <a:p>
             <a:pPr algn="ctr"/>
             <a:r>
-              <a:rPr lang="en-US" sz="1600" dirty="0" smtClean="0">
+              <a:rPr lang="en-US" sz="1600" dirty="0">
                 <a:solidFill>
                   <a:schemeClr val="bg1"/>
                 </a:solidFill>
               </a:rPr>
               <a:t>m:</a:t>
-            </a:r>
-            <a:r>
-              <a:rPr lang="en-US" sz="1600" dirty="0">
-                <a:solidFill>
-                  <a:schemeClr val="bg1"/>
-                </a:solidFill>
-              </a:rPr>
-              <a:t/>
             </a:r>
             <a:br>
               <a:rPr lang="en-US" sz="1600" dirty="0">
@@ -6134,34 +6158,23 @@
                   <a:srgbClr val="0070C0"/>
                 </a:solidFill>
               </a:rPr>
-              <a:t>execute</a:t>
-            </a:r>
-            <a:r>
-              <a:rPr lang="en-US" sz="1300" dirty="0" smtClean="0">
-                <a:solidFill>
-                  <a:srgbClr val="0070C0"/>
-                </a:solidFill>
-              </a:rPr>
-              <a:t>(“email 1”)</a:t>
-            </a:r>
-            <a:endParaRPr lang="en-US" sz="1300" dirty="0">
-              <a:solidFill>
-                <a:srgbClr val="0070C0"/>
-              </a:solidFill>
-            </a:endParaRPr>
+              <a:t>execute(“email 1”)</a:t>
+            </a:r>
           </a:p>
         </p:txBody>
       </p:sp>
       <p:cxnSp>
         <p:nvCxnSpPr>
           <p:cNvPr id="62" name="Straight Arrow Connector 61"/>
-          <p:cNvCxnSpPr/>
+          <p:cNvCxnSpPr>
+            <a:cxnSpLocks/>
+          </p:cNvCxnSpPr>
           <p:nvPr/>
         </p:nvCxnSpPr>
         <p:spPr>
           <a:xfrm flipV="1">
-            <a:off x="5257218" y="3703214"/>
-            <a:ext cx="922392" cy="1"/>
+            <a:off x="5257218" y="3697548"/>
+            <a:ext cx="964347" cy="5668"/>
           </a:xfrm>
           <a:prstGeom prst="straightConnector1">
             <a:avLst/>
@@ -6452,7 +6465,7 @@
         <p:spPr>
           <a:xfrm>
             <a:off x="6704893" y="4450017"/>
-            <a:ext cx="152645" cy="350583"/>
+            <a:ext cx="152645" cy="1329197"/>
           </a:xfrm>
           <a:prstGeom prst="rect">
             <a:avLst/>
@@ -6736,18 +6749,13 @@
           </a:lstStyle>
           <a:p>
             <a:r>
-              <a:rPr lang="en-US" dirty="0" smtClean="0">
+              <a:rPr lang="en-US" dirty="0">
                 <a:solidFill>
                   <a:srgbClr val="7030A0"/>
                 </a:solidFill>
               </a:rPr>
               <a:t>getFilteredList()</a:t>
             </a:r>
-            <a:endParaRPr lang="en-US" dirty="0">
-              <a:solidFill>
-                <a:srgbClr val="7030A0"/>
-              </a:solidFill>
-            </a:endParaRPr>
           </a:p>
         </p:txBody>
       </p:sp>
@@ -6786,13 +6794,8 @@
           <a:p>
             <a:r>
               <a:rPr lang="en-US" dirty="0"/>
-              <a:t>parse</a:t>
-            </a:r>
-            <a:r>
-              <a:rPr lang="en-US" dirty="0" smtClean="0"/>
-              <a:t>(“email 1”)</a:t>
-            </a:r>
-            <a:endParaRPr lang="en-US" dirty="0"/>
+              <a:t>parse(“email 1”)</a:t>
+            </a:r>
           </a:p>
         </p:txBody>
       </p:sp>
@@ -6920,20 +6923,12 @@
           <a:p>
             <a:pPr algn="ctr"/>
             <a:r>
-              <a:rPr lang="en-US" sz="1600" dirty="0" smtClean="0">
-                <a:solidFill>
-                  <a:schemeClr val="bg1"/>
-                </a:solidFill>
-              </a:rPr>
-              <a:t>result: Command </a:t>
-            </a:r>
-            <a:r>
               <a:rPr lang="en-US" sz="1600" dirty="0">
                 <a:solidFill>
                   <a:schemeClr val="bg1"/>
                 </a:solidFill>
               </a:rPr>
-              <a:t>Result</a:t>
+              <a:t>result: Command Result</a:t>
             </a:r>
             <a:endParaRPr lang="en-SG" sz="1600" dirty="0">
               <a:solidFill>
@@ -7112,18 +7107,13 @@
           <a:p>
             <a:pPr algn="ctr"/>
             <a:r>
-              <a:rPr lang="en-US" sz="1600" dirty="0" smtClean="0">
+              <a:rPr lang="en-US" sz="1600" dirty="0">
                 <a:solidFill>
                   <a:schemeClr val="bg1"/>
                 </a:solidFill>
               </a:rPr>
               <a:t>:EmailCommand</a:t>
             </a:r>
-            <a:endParaRPr lang="en-US" sz="1600" dirty="0">
-              <a:solidFill>
-                <a:schemeClr val="bg1"/>
-              </a:solidFill>
-            </a:endParaRPr>
           </a:p>
           <a:p>
             <a:pPr algn="ctr"/>
@@ -7306,7 +7296,7 @@
         </p:nvSpPr>
         <p:spPr>
           <a:xfrm>
-            <a:off x="6703082" y="5044494"/>
+            <a:off x="6792115" y="5107212"/>
             <a:ext cx="130600" cy="350583"/>
           </a:xfrm>
           <a:prstGeom prst="rect">
@@ -7317,7 +7307,7 @@
           </a:solidFill>
           <a:ln>
             <a:solidFill>
-              <a:srgbClr val="0070C0"/>
+              <a:schemeClr val="tx1"/>
             </a:solidFill>
           </a:ln>
           <a:effectLst/>
@@ -7341,51 +7331,7 @@
           <a:lstStyle/>
           <a:p>
             <a:pPr algn="ctr"/>
-            <a:endParaRPr lang="en-SG" sz="1400"/>
-          </a:p>
-        </p:txBody>
-      </p:sp>
-      <p:sp>
-        <p:nvSpPr>
-          <p:cNvPr id="4" name="Curved Left Arrow 3"/>
-          <p:cNvSpPr/>
-          <p:nvPr/>
-        </p:nvSpPr>
-        <p:spPr>
-          <a:xfrm rot="10148585" flipV="1">
-            <a:off x="6407762" y="4819598"/>
-            <a:ext cx="259927" cy="388533"/>
-          </a:xfrm>
-          <a:prstGeom prst="curvedLeftArrow">
-            <a:avLst/>
-          </a:prstGeom>
-        </p:spPr>
-        <p:style>
-          <a:lnRef idx="2">
-            <a:schemeClr val="accent1">
-              <a:shade val="50000"/>
-            </a:schemeClr>
-          </a:lnRef>
-          <a:fillRef idx="1">
-            <a:schemeClr val="accent1"/>
-          </a:fillRef>
-          <a:effectRef idx="0">
-            <a:schemeClr val="accent1"/>
-          </a:effectRef>
-          <a:fontRef idx="minor">
-            <a:schemeClr val="lt1"/>
-          </a:fontRef>
-        </p:style>
-        <p:txBody>
-          <a:bodyPr rtlCol="0" anchor="ctr"/>
-          <a:lstStyle/>
-          <a:p>
-            <a:pPr algn="ctr"/>
-            <a:endParaRPr lang="en-US">
-              <a:solidFill>
-                <a:schemeClr val="tx1"/>
-              </a:solidFill>
-            </a:endParaRPr>
+            <a:endParaRPr lang="en-SG" sz="1400" b="1" dirty="0"/>
           </a:p>
         </p:txBody>
       </p:sp>
@@ -7397,8 +7343,8 @@
         </p:nvSpPr>
         <p:spPr>
           <a:xfrm>
-            <a:off x="6704893" y="5862076"/>
-            <a:ext cx="152645" cy="350583"/>
+            <a:off x="6704893" y="5715004"/>
+            <a:ext cx="152645" cy="497656"/>
           </a:xfrm>
           <a:prstGeom prst="rect">
             <a:avLst/>
@@ -7444,7 +7390,7 @@
         </p:nvSpPr>
         <p:spPr>
           <a:xfrm>
-            <a:off x="5496646" y="4931449"/>
+            <a:off x="6818467" y="5179304"/>
             <a:ext cx="855809" cy="215444"/>
           </a:xfrm>
           <a:prstGeom prst="rect">
@@ -7470,10 +7416,9 @@
           </a:lstStyle>
           <a:p>
             <a:r>
-              <a:rPr lang="en-US" dirty="0" smtClean="0"/>
+              <a:rPr lang="en-US" dirty="0"/>
               <a:t>mailto(p)</a:t>
             </a:r>
-            <a:endParaRPr lang="en-US" dirty="0"/>
           </a:p>
         </p:txBody>
       </p:sp>
@@ -7485,7 +7430,7 @@
         </p:nvCxnSpPr>
         <p:spPr>
           <a:xfrm>
-            <a:off x="5166601" y="3361874"/>
+            <a:off x="5166601" y="3377064"/>
             <a:ext cx="0" cy="1060344"/>
           </a:xfrm>
           <a:prstGeom prst="line">
@@ -7514,6 +7459,291 @@
           </a:fontRef>
         </p:style>
       </p:cxnSp>
+      <p:sp>
+        <p:nvSpPr>
+          <p:cNvPr id="46" name="Rectangle 45">
+            <a:extLst>
+              <a:ext uri="{FF2B5EF4-FFF2-40B4-BE49-F238E27FC236}">
+                <a16:creationId xmlns:a16="http://schemas.microsoft.com/office/drawing/2014/main" id="{1AD3BEE2-4F6C-4B34-94F9-5DAC44D7BCEC}"/>
+              </a:ext>
+            </a:extLst>
+          </p:cNvPr>
+          <p:cNvSpPr/>
+          <p:nvPr/>
+        </p:nvSpPr>
+        <p:spPr>
+          <a:xfrm>
+            <a:off x="5036943" y="3377064"/>
+            <a:ext cx="205843" cy="192098"/>
+          </a:xfrm>
+          <a:prstGeom prst="rect">
+            <a:avLst/>
+          </a:prstGeom>
+          <a:solidFill>
+            <a:srgbClr val="0070C0"/>
+          </a:solidFill>
+          <a:ln>
+            <a:solidFill>
+              <a:srgbClr val="0070C0"/>
+            </a:solidFill>
+          </a:ln>
+          <a:effectLst/>
+        </p:spPr>
+        <p:style>
+          <a:lnRef idx="1">
+            <a:schemeClr val="accent3"/>
+          </a:lnRef>
+          <a:fillRef idx="2">
+            <a:schemeClr val="accent3"/>
+          </a:fillRef>
+          <a:effectRef idx="1">
+            <a:schemeClr val="accent3"/>
+          </a:effectRef>
+          <a:fontRef idx="minor">
+            <a:schemeClr val="dk1"/>
+          </a:fontRef>
+        </p:style>
+        <p:txBody>
+          <a:bodyPr rtlCol="0" anchor="ctr"/>
+          <a:lstStyle/>
+          <a:p>
+            <a:pPr algn="ctr"/>
+            <a:endParaRPr lang="en-SG" sz="1400"/>
+          </a:p>
+        </p:txBody>
+      </p:sp>
+      <p:cxnSp>
+        <p:nvCxnSpPr>
+          <p:cNvPr id="47" name="Straight Arrow Connector 46">
+            <a:extLst>
+              <a:ext uri="{FF2B5EF4-FFF2-40B4-BE49-F238E27FC236}">
+                <a16:creationId xmlns:a16="http://schemas.microsoft.com/office/drawing/2014/main" id="{5A2AB489-BC99-4043-B8E3-AF9CAE203AA8}"/>
+              </a:ext>
+            </a:extLst>
+          </p:cNvPr>
+          <p:cNvCxnSpPr/>
+          <p:nvPr/>
+        </p:nvCxnSpPr>
+        <p:spPr>
+          <a:xfrm>
+            <a:off x="3493517" y="3569162"/>
+            <a:ext cx="1492974" cy="0"/>
+          </a:xfrm>
+          <a:prstGeom prst="straightConnector1">
+            <a:avLst/>
+          </a:prstGeom>
+          <a:ln w="19050">
+            <a:solidFill>
+              <a:srgbClr val="0070C0"/>
+            </a:solidFill>
+            <a:prstDash val="sysDash"/>
+            <a:headEnd type="arrow" w="med" len="med"/>
+            <a:tailEnd type="none" w="med" len="med"/>
+          </a:ln>
+        </p:spPr>
+        <p:style>
+          <a:lnRef idx="1">
+            <a:schemeClr val="accent1"/>
+          </a:lnRef>
+          <a:fillRef idx="0">
+            <a:schemeClr val="accent1"/>
+          </a:fillRef>
+          <a:effectRef idx="0">
+            <a:schemeClr val="accent1"/>
+          </a:effectRef>
+          <a:fontRef idx="minor">
+            <a:schemeClr val="tx1"/>
+          </a:fontRef>
+        </p:style>
+      </p:cxnSp>
+      <p:cxnSp>
+        <p:nvCxnSpPr>
+          <p:cNvPr id="48" name="Straight Arrow Connector 47">
+            <a:extLst>
+              <a:ext uri="{FF2B5EF4-FFF2-40B4-BE49-F238E27FC236}">
+                <a16:creationId xmlns:a16="http://schemas.microsoft.com/office/drawing/2014/main" id="{20C650DC-DEA7-49ED-BCCD-CF24EC8772D7}"/>
+              </a:ext>
+            </a:extLst>
+          </p:cNvPr>
+          <p:cNvCxnSpPr/>
+          <p:nvPr/>
+        </p:nvCxnSpPr>
+        <p:spPr>
+          <a:xfrm flipV="1">
+            <a:off x="3412425" y="3703213"/>
+            <a:ext cx="1596514" cy="1"/>
+          </a:xfrm>
+          <a:prstGeom prst="straightConnector1">
+            <a:avLst/>
+          </a:prstGeom>
+          <a:ln w="19050">
+            <a:solidFill>
+              <a:srgbClr val="0070C0"/>
+            </a:solidFill>
+            <a:tailEnd type="arrow"/>
+          </a:ln>
+        </p:spPr>
+        <p:style>
+          <a:lnRef idx="1">
+            <a:schemeClr val="accent1"/>
+          </a:lnRef>
+          <a:fillRef idx="0">
+            <a:schemeClr val="accent1"/>
+          </a:fillRef>
+          <a:effectRef idx="0">
+            <a:schemeClr val="accent1"/>
+          </a:effectRef>
+          <a:fontRef idx="minor">
+            <a:schemeClr val="tx1"/>
+          </a:fontRef>
+        </p:style>
+      </p:cxnSp>
+      <p:sp>
+        <p:nvSpPr>
+          <p:cNvPr id="64" name="TextBox 63">
+            <a:extLst>
+              <a:ext uri="{FF2B5EF4-FFF2-40B4-BE49-F238E27FC236}">
+                <a16:creationId xmlns:a16="http://schemas.microsoft.com/office/drawing/2014/main" id="{644EF6C7-AF19-421E-9B8B-E5F6D806D53B}"/>
+              </a:ext>
+            </a:extLst>
+          </p:cNvPr>
+          <p:cNvSpPr txBox="1"/>
+          <p:nvPr/>
+        </p:nvSpPr>
+        <p:spPr>
+          <a:xfrm>
+            <a:off x="2810912" y="3697548"/>
+            <a:ext cx="2104569" cy="215444"/>
+          </a:xfrm>
+          <a:prstGeom prst="rect">
+            <a:avLst/>
+          </a:prstGeom>
+          <a:noFill/>
+        </p:spPr>
+        <p:txBody>
+          <a:bodyPr wrap="square" lIns="0" tIns="0" rIns="0" bIns="0" rtlCol="0">
+            <a:spAutoFit/>
+          </a:bodyPr>
+          <a:lstStyle>
+            <a:defPPr>
+              <a:defRPr lang="en-US"/>
+            </a:defPPr>
+            <a:lvl1pPr algn="r">
+              <a:defRPr sz="1400">
+                <a:solidFill>
+                  <a:srgbClr val="0070C0"/>
+                </a:solidFill>
+              </a:defRPr>
+            </a:lvl1pPr>
+          </a:lstStyle>
+          <a:p>
+            <a:r>
+              <a:rPr lang="en-US" dirty="0"/>
+              <a:t>parse(“1”)</a:t>
+            </a:r>
+          </a:p>
+        </p:txBody>
+      </p:sp>
+      <p:sp>
+        <p:nvSpPr>
+          <p:cNvPr id="3" name="Arrow: Curved Left 2">
+            <a:extLst>
+              <a:ext uri="{FF2B5EF4-FFF2-40B4-BE49-F238E27FC236}">
+                <a16:creationId xmlns:a16="http://schemas.microsoft.com/office/drawing/2014/main" id="{0A3FDD1A-6706-4D68-B1AE-EE6EB401A06B}"/>
+              </a:ext>
+            </a:extLst>
+          </p:cNvPr>
+          <p:cNvSpPr/>
+          <p:nvPr/>
+        </p:nvSpPr>
+        <p:spPr>
+          <a:xfrm>
+            <a:off x="6919514" y="4901407"/>
+            <a:ext cx="194136" cy="236561"/>
+          </a:xfrm>
+          <a:prstGeom prst="curvedLeftArrow">
+            <a:avLst/>
+          </a:prstGeom>
+        </p:spPr>
+        <p:style>
+          <a:lnRef idx="2">
+            <a:schemeClr val="accent1">
+              <a:shade val="50000"/>
+            </a:schemeClr>
+          </a:lnRef>
+          <a:fillRef idx="1">
+            <a:schemeClr val="accent1"/>
+          </a:fillRef>
+          <a:effectRef idx="0">
+            <a:schemeClr val="accent1"/>
+          </a:effectRef>
+          <a:fontRef idx="minor">
+            <a:schemeClr val="lt1"/>
+          </a:fontRef>
+        </p:style>
+        <p:txBody>
+          <a:bodyPr rtlCol="0" anchor="ctr"/>
+          <a:lstStyle/>
+          <a:p>
+            <a:pPr algn="ctr"/>
+            <a:endParaRPr lang="en-SG">
+              <a:solidFill>
+                <a:schemeClr val="tx1"/>
+              </a:solidFill>
+            </a:endParaRPr>
+          </a:p>
+        </p:txBody>
+      </p:sp>
+      <p:sp>
+        <p:nvSpPr>
+          <p:cNvPr id="79" name="Arrow: Curved Left 78">
+            <a:extLst>
+              <a:ext uri="{FF2B5EF4-FFF2-40B4-BE49-F238E27FC236}">
+                <a16:creationId xmlns:a16="http://schemas.microsoft.com/office/drawing/2014/main" id="{8A3B04E6-AFBD-4CB8-A7ED-F7496EB0DA07}"/>
+              </a:ext>
+            </a:extLst>
+          </p:cNvPr>
+          <p:cNvSpPr/>
+          <p:nvPr/>
+        </p:nvSpPr>
+        <p:spPr>
+          <a:xfrm>
+            <a:off x="6933615" y="5416842"/>
+            <a:ext cx="194136" cy="236561"/>
+          </a:xfrm>
+          <a:prstGeom prst="curvedLeftArrow">
+            <a:avLst/>
+          </a:prstGeom>
+        </p:spPr>
+        <p:style>
+          <a:lnRef idx="2">
+            <a:schemeClr val="accent1">
+              <a:shade val="50000"/>
+            </a:schemeClr>
+          </a:lnRef>
+          <a:fillRef idx="1">
+            <a:schemeClr val="accent1"/>
+          </a:fillRef>
+          <a:effectRef idx="0">
+            <a:schemeClr val="accent1"/>
+          </a:effectRef>
+          <a:fontRef idx="minor">
+            <a:schemeClr val="lt1"/>
+          </a:fontRef>
+        </p:style>
+        <p:txBody>
+          <a:bodyPr rtlCol="0" anchor="ctr"/>
+          <a:lstStyle/>
+          <a:p>
+            <a:pPr algn="ctr"/>
+            <a:endParaRPr lang="en-SG">
+              <a:solidFill>
+                <a:schemeClr val="tx1"/>
+              </a:solidFill>
+            </a:endParaRPr>
+          </a:p>
+        </p:txBody>
+      </p:sp>
     </p:spTree>
     <p:extLst>
       <p:ext uri="{BB962C8B-B14F-4D97-AF65-F5344CB8AC3E}">
@@ -7524,13 +7754,6 @@
   <p:clrMapOvr>
     <a:masterClrMapping/>
   </p:clrMapOvr>
-  <p:timing>
-    <p:tnLst>
-      <p:par>
-        <p:cTn id="1" dur="indefinite" restart="never" nodeType="tmRoot"/>
-      </p:par>
-    </p:tnLst>
-  </p:timing>
 </p:sld>
 </file>
 
@@ -7559,7 +7782,7 @@
         </p:nvSpPr>
         <p:spPr>
           <a:xfrm>
-            <a:off x="154529" y="2065798"/>
+            <a:off x="90314" y="1988311"/>
             <a:ext cx="7255683" cy="4060935"/>
           </a:xfrm>
           <a:prstGeom prst="roundRect">
@@ -7957,20 +8180,12 @@
           <a:p>
             <a:pPr algn="ctr"/>
             <a:r>
-              <a:rPr lang="en-US" sz="1500" dirty="0" smtClean="0">
+              <a:rPr lang="en-US" sz="1500" dirty="0">
                 <a:solidFill>
                   <a:schemeClr val="bg1"/>
                 </a:solidFill>
               </a:rPr>
               <a:t>f:Find</a:t>
-            </a:r>
-            <a:r>
-              <a:rPr lang="en-US" sz="1500" dirty="0">
-                <a:solidFill>
-                  <a:schemeClr val="bg1"/>
-                </a:solidFill>
-              </a:rPr>
-              <a:t/>
             </a:r>
             <a:br>
               <a:rPr lang="en-US" sz="1500" dirty="0">
@@ -7999,14 +8214,15 @@
         <p:nvCxnSpPr>
           <p:cNvPr id="57" name="Straight Connector 56"/>
           <p:cNvCxnSpPr>
+            <a:cxnSpLocks/>
             <a:stCxn id="58" idx="0"/>
           </p:cNvCxnSpPr>
           <p:nvPr/>
         </p:nvCxnSpPr>
         <p:spPr>
-          <a:xfrm>
-            <a:off x="6950409" y="4140908"/>
-            <a:ext cx="6362" cy="1940721"/>
+          <a:xfrm flipH="1">
+            <a:off x="6950257" y="4126349"/>
+            <a:ext cx="6370" cy="1940721"/>
           </a:xfrm>
           <a:prstGeom prst="line">
             <a:avLst/>
@@ -8042,8 +8258,8 @@
         </p:nvSpPr>
         <p:spPr>
           <a:xfrm>
-            <a:off x="6880571" y="4140908"/>
-            <a:ext cx="139675" cy="196134"/>
+            <a:off x="6874056" y="4126349"/>
+            <a:ext cx="165141" cy="261610"/>
           </a:xfrm>
           <a:prstGeom prst="rect">
             <a:avLst/>
@@ -8179,21 +8395,8 @@
                   <a:srgbClr val="0070C0"/>
                 </a:solidFill>
               </a:rPr>
-              <a:t>execute</a:t>
-            </a:r>
-            <a:r>
-              <a:rPr lang="en-US" sz="1300" dirty="0" smtClean="0">
-                <a:solidFill>
-                  <a:srgbClr val="0070C0"/>
-                </a:solidFill>
-              </a:rPr>
-              <a:t>(“find n/Alice”)</a:t>
-            </a:r>
-            <a:endParaRPr lang="en-US" sz="1300" dirty="0">
-              <a:solidFill>
-                <a:srgbClr val="0070C0"/>
-              </a:solidFill>
-            </a:endParaRPr>
+              <a:t>execute(“find n/Alice”)</a:t>
+            </a:r>
           </a:p>
         </p:txBody>
       </p:sp>
@@ -8321,7 +8524,7 @@
         </p:nvCxnSpPr>
         <p:spPr>
           <a:xfrm flipV="1">
-            <a:off x="1670186" y="4243231"/>
+            <a:off x="1618908" y="4448366"/>
             <a:ext cx="1596514" cy="5378"/>
           </a:xfrm>
           <a:prstGeom prst="straightConnector1">
@@ -8462,7 +8665,7 @@
         </p:nvCxnSpPr>
         <p:spPr>
           <a:xfrm>
-            <a:off x="1484619" y="4970291"/>
+            <a:off x="1532507" y="4977604"/>
             <a:ext cx="5285389" cy="32519"/>
           </a:xfrm>
           <a:prstGeom prst="straightConnector1">
@@ -8498,7 +8701,7 @@
         </p:nvSpPr>
         <p:spPr>
           <a:xfrm>
-            <a:off x="6833482" y="4644144"/>
+            <a:off x="6855997" y="4640308"/>
             <a:ext cx="165299" cy="1299456"/>
           </a:xfrm>
           <a:prstGeom prst="rect">
@@ -8678,13 +8881,15 @@
       <p:cxnSp>
         <p:nvCxnSpPr>
           <p:cNvPr id="76" name="Straight Arrow Connector 75"/>
-          <p:cNvCxnSpPr/>
+          <p:cNvCxnSpPr>
+            <a:cxnSpLocks/>
+          </p:cNvCxnSpPr>
           <p:nvPr/>
         </p:nvCxnSpPr>
         <p:spPr>
-          <a:xfrm flipV="1">
-            <a:off x="1670186" y="5822066"/>
-            <a:ext cx="5066280" cy="2206"/>
+          <a:xfrm>
+            <a:off x="1670186" y="5824272"/>
+            <a:ext cx="5180498" cy="36422"/>
           </a:xfrm>
           <a:prstGeom prst="straightConnector1">
             <a:avLst/>
@@ -8747,18 +8952,13 @@
           </a:lstStyle>
           <a:p>
             <a:r>
-              <a:rPr lang="en-US" sz="1200" dirty="0" smtClean="0">
+              <a:rPr lang="en-US" sz="1200" dirty="0">
                 <a:solidFill>
                   <a:srgbClr val="7030A0"/>
                 </a:solidFill>
               </a:rPr>
               <a:t>updateFilteredList(predicate)</a:t>
             </a:r>
-            <a:endParaRPr lang="en-US" sz="1200" dirty="0">
-              <a:solidFill>
-                <a:srgbClr val="7030A0"/>
-              </a:solidFill>
-            </a:endParaRPr>
           </a:p>
         </p:txBody>
       </p:sp>
@@ -8797,13 +8997,8 @@
           <a:p>
             <a:r>
               <a:rPr lang="en-US" sz="1100" dirty="0"/>
-              <a:t>parse</a:t>
-            </a:r>
-            <a:r>
-              <a:rPr lang="en-US" sz="1100" dirty="0" smtClean="0"/>
-              <a:t>(“n/Alice”)</a:t>
-            </a:r>
-            <a:endParaRPr lang="en-US" sz="1100" dirty="0"/>
+              <a:t>parse(“n/Alice”)</a:t>
+            </a:r>
           </a:p>
         </p:txBody>
       </p:sp>
@@ -8842,13 +9037,8 @@
           <a:p>
             <a:r>
               <a:rPr lang="en-US" dirty="0"/>
-              <a:t>parse</a:t>
-            </a:r>
-            <a:r>
-              <a:rPr lang="en-US" dirty="0" smtClean="0"/>
-              <a:t>(“find n/Alice”)</a:t>
-            </a:r>
-            <a:endParaRPr lang="en-US" dirty="0"/>
+              <a:t>parse(“find n/Alice”)</a:t>
+            </a:r>
           </a:p>
         </p:txBody>
       </p:sp>
@@ -8976,20 +9166,12 @@
           <a:p>
             <a:pPr algn="ctr"/>
             <a:r>
-              <a:rPr lang="en-US" sz="1200" dirty="0" smtClean="0">
-                <a:solidFill>
-                  <a:schemeClr val="bg1"/>
-                </a:solidFill>
-              </a:rPr>
-              <a:t>result: Command </a:t>
-            </a:r>
-            <a:r>
               <a:rPr lang="en-US" sz="1200" dirty="0">
                 <a:solidFill>
                   <a:schemeClr val="bg1"/>
                 </a:solidFill>
               </a:rPr>
-              <a:t>Result</a:t>
+              <a:t>result: Command Result</a:t>
             </a:r>
             <a:endParaRPr lang="en-SG" sz="1200" dirty="0">
               <a:solidFill>
@@ -9168,18 +9350,13 @@
           <a:p>
             <a:pPr algn="ctr"/>
             <a:r>
-              <a:rPr lang="en-US" sz="1500" dirty="0" smtClean="0">
+              <a:rPr lang="en-US" sz="1500" dirty="0">
                 <a:solidFill>
                   <a:schemeClr val="bg1"/>
                 </a:solidFill>
               </a:rPr>
               <a:t>:FindCommand</a:t>
             </a:r>
-            <a:endParaRPr lang="en-US" sz="1500" dirty="0">
-              <a:solidFill>
-                <a:schemeClr val="bg1"/>
-              </a:solidFill>
-            </a:endParaRPr>
           </a:p>
           <a:p>
             <a:pPr algn="ctr"/>
@@ -9241,7 +9418,7 @@
         </p:nvSpPr>
         <p:spPr>
           <a:xfrm>
-            <a:off x="4376567" y="3444409"/>
+            <a:off x="4359377" y="3301101"/>
             <a:ext cx="205843" cy="123165"/>
           </a:xfrm>
           <a:prstGeom prst="rect">
@@ -9367,13 +9544,15 @@
       <p:cxnSp>
         <p:nvCxnSpPr>
           <p:cNvPr id="110" name="Straight Arrow Connector 109"/>
-          <p:cNvCxnSpPr/>
+          <p:cNvCxnSpPr>
+            <a:cxnSpLocks/>
+          </p:cNvCxnSpPr>
           <p:nvPr/>
         </p:nvCxnSpPr>
         <p:spPr>
-          <a:xfrm>
-            <a:off x="3558033" y="4371672"/>
-            <a:ext cx="758541" cy="15688"/>
+          <a:xfrm flipV="1">
+            <a:off x="3536368" y="4324475"/>
+            <a:ext cx="757629" cy="1013"/>
           </a:xfrm>
           <a:prstGeom prst="straightConnector1">
             <a:avLst/>
@@ -9405,13 +9584,15 @@
       <p:cxnSp>
         <p:nvCxnSpPr>
           <p:cNvPr id="113" name="Straight Arrow Connector 112"/>
-          <p:cNvCxnSpPr/>
+          <p:cNvCxnSpPr>
+            <a:cxnSpLocks/>
+          </p:cNvCxnSpPr>
           <p:nvPr/>
         </p:nvCxnSpPr>
         <p:spPr>
-          <a:xfrm>
-            <a:off x="3412425" y="3173006"/>
-            <a:ext cx="430626" cy="17739"/>
+          <a:xfrm flipV="1">
+            <a:off x="3412425" y="3170703"/>
+            <a:ext cx="335792" cy="2303"/>
           </a:xfrm>
           <a:prstGeom prst="straightConnector1">
             <a:avLst/>
@@ -9488,7 +9669,7 @@
           <a:p>
             <a:pPr algn="ctr"/>
             <a:r>
-              <a:rPr lang="en-US" sz="1600" dirty="0" smtClean="0">
+              <a:rPr lang="en-US" sz="1600" dirty="0">
                 <a:solidFill>
                   <a:schemeClr val="bg1"/>
                 </a:solidFill>
@@ -9511,7 +9692,7 @@
         </p:nvSpPr>
         <p:spPr>
           <a:xfrm>
-            <a:off x="5599217" y="3689662"/>
+            <a:off x="5625952" y="3679821"/>
             <a:ext cx="152400" cy="199803"/>
           </a:xfrm>
           <a:prstGeom prst="rect">
@@ -9603,13 +9784,15 @@
       <p:cxnSp>
         <p:nvCxnSpPr>
           <p:cNvPr id="79" name="Straight Arrow Connector 78"/>
-          <p:cNvCxnSpPr/>
+          <p:cNvCxnSpPr>
+            <a:cxnSpLocks/>
+          </p:cNvCxnSpPr>
           <p:nvPr/>
         </p:nvCxnSpPr>
         <p:spPr>
           <a:xfrm>
-            <a:off x="4655209" y="3889990"/>
-            <a:ext cx="919831" cy="10608"/>
+            <a:off x="4646983" y="3885754"/>
+            <a:ext cx="1069741" cy="8787"/>
           </a:xfrm>
           <a:prstGeom prst="straightConnector1">
             <a:avLst/>
@@ -9675,7 +9858,7 @@
           </a:lstStyle>
           <a:p>
             <a:r>
-              <a:rPr lang="en-US" dirty="0" smtClean="0">
+              <a:rPr lang="en-US" dirty="0">
                 <a:solidFill>
                   <a:schemeClr val="accent4">
                     <a:lumMod val="60000"/>
@@ -9685,27 +9868,21 @@
               </a:rPr>
               <a:t>p</a:t>
             </a:r>
-            <a:endParaRPr lang="en-US" dirty="0">
-              <a:solidFill>
-                <a:schemeClr val="accent4">
-                  <a:lumMod val="60000"/>
-                  <a:lumOff val="40000"/>
-                </a:schemeClr>
-              </a:solidFill>
-            </a:endParaRPr>
           </a:p>
         </p:txBody>
       </p:sp>
       <p:cxnSp>
         <p:nvCxnSpPr>
           <p:cNvPr id="83" name="Straight Arrow Connector 82"/>
-          <p:cNvCxnSpPr/>
+          <p:cNvCxnSpPr>
+            <a:cxnSpLocks/>
+          </p:cNvCxnSpPr>
           <p:nvPr/>
         </p:nvCxnSpPr>
         <p:spPr>
           <a:xfrm>
-            <a:off x="4602956" y="4123927"/>
-            <a:ext cx="1840086" cy="16981"/>
+            <a:off x="4597909" y="4157432"/>
+            <a:ext cx="1837948" cy="5115"/>
           </a:xfrm>
           <a:prstGeom prst="straightConnector1">
             <a:avLst/>
@@ -9735,13 +9912,15 @@
       <p:cxnSp>
         <p:nvCxnSpPr>
           <p:cNvPr id="86" name="Straight Arrow Connector 85"/>
-          <p:cNvCxnSpPr/>
+          <p:cNvCxnSpPr>
+            <a:cxnSpLocks/>
+          </p:cNvCxnSpPr>
           <p:nvPr/>
         </p:nvCxnSpPr>
         <p:spPr>
           <a:xfrm flipV="1">
-            <a:off x="4589906" y="4337041"/>
-            <a:ext cx="2265388" cy="10377"/>
+            <a:off x="4589906" y="4335332"/>
+            <a:ext cx="2268094" cy="12088"/>
           </a:xfrm>
           <a:prstGeom prst="straightConnector1">
             <a:avLst/>
@@ -9862,6 +10041,52 @@
               <a:srgbClr val="0070C0"/>
             </a:solidFill>
             <a:tailEnd type="arrow"/>
+          </a:ln>
+        </p:spPr>
+        <p:style>
+          <a:lnRef idx="1">
+            <a:schemeClr val="accent1"/>
+          </a:lnRef>
+          <a:fillRef idx="0">
+            <a:schemeClr val="accent1"/>
+          </a:fillRef>
+          <a:effectRef idx="0">
+            <a:schemeClr val="accent1"/>
+          </a:effectRef>
+          <a:fontRef idx="minor">
+            <a:schemeClr val="tx1"/>
+          </a:fontRef>
+        </p:style>
+      </p:cxnSp>
+      <p:cxnSp>
+        <p:nvCxnSpPr>
+          <p:cNvPr id="82" name="Straight Arrow Connector 81">
+            <a:extLst>
+              <a:ext uri="{FF2B5EF4-FFF2-40B4-BE49-F238E27FC236}">
+                <a16:creationId xmlns:a16="http://schemas.microsoft.com/office/drawing/2014/main" id="{23CB45B9-18E5-47BC-9764-079F4D4F165B}"/>
+              </a:ext>
+            </a:extLst>
+          </p:cNvPr>
+          <p:cNvCxnSpPr>
+            <a:cxnSpLocks/>
+          </p:cNvCxnSpPr>
+          <p:nvPr/>
+        </p:nvCxnSpPr>
+        <p:spPr>
+          <a:xfrm flipV="1">
+            <a:off x="3522244" y="3443655"/>
+            <a:ext cx="824015" cy="1012"/>
+          </a:xfrm>
+          <a:prstGeom prst="straightConnector1">
+            <a:avLst/>
+          </a:prstGeom>
+          <a:ln w="19050">
+            <a:solidFill>
+              <a:srgbClr val="0070C0"/>
+            </a:solidFill>
+            <a:prstDash val="sysDash"/>
+            <a:headEnd type="arrow" w="med" len="med"/>
+            <a:tailEnd type="none" w="med" len="med"/>
           </a:ln>
         </p:spPr>
         <p:style>
@@ -9889,13 +10114,6 @@
   <p:clrMapOvr>
     <a:masterClrMapping/>
   </p:clrMapOvr>
-  <p:timing>
-    <p:tnLst>
-      <p:par>
-        <p:cTn id="1" dur="indefinite" restart="never" nodeType="tmRoot"/>
-      </p:par>
-    </p:tnLst>
-  </p:timing>
 </p:sld>
 </file>
 
